--- a/documents/course/Παραγωγή Τελικού Κώδικα.pptx
+++ b/documents/course/Παραγωγή Τελικού Κώδικα.pptx
@@ -7442,7 +7442,12 @@
             <p:ph idx="1"/>
           </p:nvPr>
         </p:nvSpPr>
-        <p:spPr/>
+        <p:spPr>
+          <a:xfrm>
+            <a:off x="683568" y="1916832"/>
+            <a:ext cx="7772400" cy="4191000"/>
+          </a:xfrm>
+        </p:spPr>
         <p:txBody>
           <a:bodyPr/>
           <a:lstStyle/>
@@ -7455,28 +7460,48 @@
               <a:t>αν </a:t>
             </a:r>
             <a:r>
+              <a:rPr lang="el-GR" dirty="0" smtClean="0"/>
+              <a:t>η </a:t>
+            </a:r>
+            <a:r>
               <a:rPr lang="en-US" dirty="0" smtClean="0"/>
               <a:t>v </a:t>
             </a:r>
             <a:r>
               <a:rPr lang="el-GR" dirty="0" smtClean="0"/>
-              <a:t>είναι </a:t>
+              <a:t>έχει δηλωθεί στη συνάρτηση που αυτή τη στιγμή εκτελείται και είναι</a:t>
             </a:r>
             <a:r>
               <a:rPr lang="el-GR" b="1" dirty="0" smtClean="0"/>
-              <a:t>τοπική μεταβλητή</a:t>
+              <a:t> τοπική </a:t>
+            </a:r>
+            <a:r>
+              <a:rPr lang="el-GR" b="1" dirty="0" smtClean="0"/>
+              <a:t>μεταβλητή</a:t>
             </a:r>
             <a:r>
               <a:rPr lang="el-GR" dirty="0" smtClean="0"/>
-              <a:t>, ή </a:t>
+              <a:t>, </a:t>
+            </a:r>
+            <a:r>
+              <a:rPr lang="el-GR" dirty="0" smtClean="0"/>
+              <a:t>ή </a:t>
             </a:r>
             <a:r>
               <a:rPr lang="el-GR" b="1" dirty="0" smtClean="0"/>
-              <a:t>τυπική παράμετρος που περνάει με τιμή και βάθος φωλιάσματος ίσο με το τρέχον</a:t>
+              <a:t>τυπική παράμετρος που περνάει με </a:t>
+            </a:r>
+            <a:r>
+              <a:rPr lang="el-GR" b="1" dirty="0" smtClean="0"/>
+              <a:t>τιμή</a:t>
             </a:r>
             <a:r>
               <a:rPr lang="el-GR" dirty="0" smtClean="0"/>
-              <a:t>, ή </a:t>
+              <a:t>, </a:t>
+            </a:r>
+            <a:r>
+              <a:rPr lang="el-GR" dirty="0" smtClean="0"/>
+              <a:t>ή </a:t>
             </a:r>
             <a:r>
               <a:rPr lang="el-GR" b="1" dirty="0" smtClean="0"/>
@@ -7517,7 +7542,7 @@
           <a:p>
             <a:r>
               <a:rPr lang="el-GR" dirty="0" smtClean="0"/>
-              <a:t>αν </a:t>
+              <a:t>αν η </a:t>
             </a:r>
             <a:r>
               <a:rPr lang="en-US" dirty="0" smtClean="0"/>
@@ -7525,12 +7550,21 @@
             </a:r>
             <a:r>
               <a:rPr lang="el-GR" dirty="0" smtClean="0"/>
-              <a:t>είναι </a:t>
+              <a:t>έχει δηλωθεί στη συνάρτηση που αυτή τη στιγμή εκτελείται </a:t>
+            </a:r>
+            <a:r>
+              <a:rPr lang="el-GR" dirty="0" smtClean="0"/>
+              <a:t>και είναι </a:t>
             </a:r>
             <a:r>
               <a:rPr lang="el-GR" b="1" dirty="0" smtClean="0"/>
-              <a:t>τυπική παράμετρος που περνάει με αναφορά και βάθος φωλιάσματος ίσο με το τρέχον</a:t>
-            </a:r>
+              <a:t>τυπική παράμετρος που περνάει με </a:t>
+            </a:r>
+            <a:r>
+              <a:rPr lang="el-GR" b="1" dirty="0" smtClean="0"/>
+              <a:t>αναφορά</a:t>
+            </a:r>
+            <a:endParaRPr lang="el-GR" b="1" dirty="0" smtClean="0"/>
           </a:p>
           <a:p>
             <a:pPr>
@@ -7704,13 +7738,38 @@
               <a:t>αν </a:t>
             </a:r>
             <a:r>
+              <a:rPr lang="el-GR" dirty="0" smtClean="0"/>
+              <a:t>η </a:t>
+            </a:r>
+            <a:r>
               <a:rPr lang="en-US" dirty="0" smtClean="0"/>
               <a:t>v </a:t>
             </a:r>
             <a:r>
+              <a:rPr lang="el-GR" dirty="0" smtClean="0"/>
+              <a:t>έχει δηλωθε</a:t>
+            </a:r>
+            <a:r>
+              <a:rPr lang="el-GR" dirty="0" smtClean="0"/>
+              <a:t>ί σε κάποιο πρόγονο και εκεί είναι </a:t>
+            </a:r>
+            <a:r>
               <a:rPr lang="el-GR" b="1" dirty="0" smtClean="0"/>
-              <a:t>είναι τοπική μεταβλητή, ή τυπική παράμετρος που περνάει με τιμή και βάθος φωλιάσματος μικρότερο από το τρέχον</a:t>
-            </a:r>
+              <a:t>τοπική </a:t>
+            </a:r>
+            <a:r>
+              <a:rPr lang="el-GR" b="1" dirty="0" smtClean="0"/>
+              <a:t>μεταβλητή, ή τυπική παράμετρος που περνάει με </a:t>
+            </a:r>
+            <a:r>
+              <a:rPr lang="el-GR" b="1" dirty="0" smtClean="0"/>
+              <a:t>τιμή</a:t>
+            </a:r>
+            <a:r>
+              <a:rPr lang="el-GR" dirty="0" smtClean="0"/>
+              <a:t>		</a:t>
+            </a:r>
+            <a:endParaRPr lang="el-GR" dirty="0" smtClean="0"/>
           </a:p>
           <a:p>
             <a:pPr>
@@ -7718,7 +7777,11 @@
             </a:pPr>
             <a:r>
               <a:rPr lang="el-GR" dirty="0" smtClean="0"/>
-              <a:t>		</a:t>
+              <a:t>	</a:t>
+            </a:r>
+            <a:r>
+              <a:rPr lang="el-GR" dirty="0" smtClean="0"/>
+              <a:t>	</a:t>
             </a:r>
             <a:r>
               <a:rPr lang="en-US" dirty="0" err="1" smtClean="0"/>
@@ -7757,16 +7820,29 @@
           <a:p>
             <a:r>
               <a:rPr lang="el-GR" dirty="0" smtClean="0"/>
-              <a:t>αν </a:t>
+              <a:t>αν η </a:t>
             </a:r>
             <a:r>
               <a:rPr lang="en-US" dirty="0" smtClean="0"/>
               <a:t>v </a:t>
             </a:r>
             <a:r>
+              <a:rPr lang="el-GR" dirty="0" smtClean="0"/>
+              <a:t>έχει δηλωθεί σε κάποιο πρόγονο και εκεί είναι</a:t>
+            </a:r>
+            <a:r>
               <a:rPr lang="el-GR" b="1" dirty="0" smtClean="0"/>
-              <a:t>είναι τυπική παράμετρος που περνάει με αναφορά και βάθος φωλιάσματος μικρότερο από το τρέχον</a:t>
-            </a:r>
+              <a:t> </a:t>
+            </a:r>
+            <a:r>
+              <a:rPr lang="el-GR" b="1" dirty="0" smtClean="0"/>
+              <a:t>τυπική παράμετρος που περνάει με </a:t>
+            </a:r>
+            <a:r>
+              <a:rPr lang="el-GR" b="1" dirty="0" smtClean="0"/>
+              <a:t>αναφορά</a:t>
+            </a:r>
+            <a:endParaRPr lang="el-GR" b="1" dirty="0" smtClean="0"/>
           </a:p>
           <a:p>
             <a:pPr>
@@ -11723,13 +11799,7 @@
               <a:rPr lang="en-US" dirty="0" smtClean="0">
                 <a:sym typeface="Wingdings" pitchFamily="2" charset="2"/>
               </a:rPr>
-              <a:t> $</a:t>
-            </a:r>
-            <a:r>
-              <a:rPr lang="en-US" dirty="0" smtClean="0">
-                <a:sym typeface="Wingdings" pitchFamily="2" charset="2"/>
-              </a:rPr>
-              <a:t>v0,1</a:t>
+              <a:t> $v0,1</a:t>
             </a:r>
           </a:p>
           <a:p>
@@ -11740,29 +11810,20 @@
               <a:rPr lang="en-US" dirty="0" smtClean="0">
                 <a:sym typeface="Wingdings" pitchFamily="2" charset="2"/>
               </a:rPr>
-              <a:t>	</a:t>
+              <a:t>		</a:t>
+            </a:r>
+            <a:r>
+              <a:rPr lang="en-US" dirty="0" err="1" smtClean="0">
+                <a:sym typeface="Wingdings" pitchFamily="2" charset="2"/>
+              </a:rPr>
+              <a:t>loadvr</a:t>
             </a:r>
             <a:r>
               <a:rPr lang="en-US" dirty="0" smtClean="0">
                 <a:sym typeface="Wingdings" pitchFamily="2" charset="2"/>
               </a:rPr>
-              <a:t>	</a:t>
-            </a:r>
-            <a:r>
-              <a:rPr lang="en-US" dirty="0" err="1" smtClean="0">
-                <a:sym typeface="Wingdings" pitchFamily="2" charset="2"/>
-              </a:rPr>
-              <a:t>loadvr</a:t>
-            </a:r>
-            <a:r>
-              <a:rPr lang="en-US" dirty="0" smtClean="0">
-                <a:sym typeface="Wingdings" pitchFamily="2" charset="2"/>
-              </a:rPr>
               <a:t>(x,$a0)</a:t>
             </a:r>
-            <a:endParaRPr lang="en-US" dirty="0" smtClean="0">
-              <a:sym typeface="Wingdings" pitchFamily="2" charset="2"/>
-            </a:endParaRPr>
           </a:p>
           <a:p>
             <a:pPr>
@@ -11849,54 +11910,26 @@
               <a:rPr lang="en-US" dirty="0" smtClean="0">
                 <a:sym typeface="Wingdings" pitchFamily="2" charset="2"/>
               </a:rPr>
-              <a:t>	</a:t>
+              <a:t>		</a:t>
+            </a:r>
+            <a:r>
+              <a:rPr lang="en-US" dirty="0" err="1" smtClean="0">
+                <a:sym typeface="Wingdings" pitchFamily="2" charset="2"/>
+              </a:rPr>
+              <a:t>storerv</a:t>
             </a:r>
             <a:r>
               <a:rPr lang="en-US" dirty="0" smtClean="0">
                 <a:sym typeface="Wingdings" pitchFamily="2" charset="2"/>
               </a:rPr>
-              <a:t>	</a:t>
-            </a:r>
-            <a:r>
-              <a:rPr lang="en-US" dirty="0" err="1" smtClean="0">
-                <a:sym typeface="Wingdings" pitchFamily="2" charset="2"/>
-              </a:rPr>
-              <a:t>storerv</a:t>
-            </a:r>
-            <a:r>
-              <a:rPr lang="en-US" smtClean="0">
-                <a:sym typeface="Wingdings" pitchFamily="2" charset="2"/>
-              </a:rPr>
-              <a:t>($v0,x)</a:t>
-            </a:r>
-            <a:endParaRPr lang="en-US" dirty="0" smtClean="0">
-              <a:sym typeface="Wingdings" pitchFamily="2" charset="2"/>
-            </a:endParaRPr>
-          </a:p>
-          <a:p>
-            <a:pPr>
-              <a:buNone/>
-            </a:pPr>
+              <a:t>($</a:t>
+            </a:r>
             <a:r>
               <a:rPr lang="en-US" dirty="0" smtClean="0">
                 <a:sym typeface="Wingdings" pitchFamily="2" charset="2"/>
               </a:rPr>
-              <a:t>	</a:t>
-            </a:r>
-            <a:r>
-              <a:rPr lang="el-GR" dirty="0" smtClean="0">
-                <a:sym typeface="Wingdings" pitchFamily="2" charset="2"/>
-              </a:rPr>
-              <a:t>το αποτέλεσμα γράφεται στον $</a:t>
-            </a:r>
-            <a:r>
-              <a:rPr lang="en-US" dirty="0" smtClean="0">
-                <a:sym typeface="Wingdings" pitchFamily="2" charset="2"/>
-              </a:rPr>
-              <a:t>v0</a:t>
-            </a:r>
-          </a:p>
-          <a:p>
+              <a:t>v0,x)</a:t>
+            </a:r>
             <a:endParaRPr lang="en-US" dirty="0" smtClean="0">
               <a:sym typeface="Wingdings" pitchFamily="2" charset="2"/>
             </a:endParaRPr>
@@ -13431,7 +13464,7 @@
         <p:spPr>
           <a:xfrm>
             <a:off x="6102640" y="2564904"/>
-            <a:ext cx="271228" cy="307777"/>
+            <a:ext cx="266420" cy="307777"/>
           </a:xfrm>
           <a:prstGeom prst="rect">
             <a:avLst/>
@@ -13449,7 +13482,7 @@
                 <a:latin typeface="+mj-lt"/>
                 <a:cs typeface="Calibri Light" pitchFamily="34" charset="0"/>
               </a:rPr>
-              <a:t>a</a:t>
+              <a:t>x</a:t>
             </a:r>
             <a:endParaRPr lang="el-GR" sz="1400" b="1" dirty="0">
               <a:latin typeface="+mj-lt"/>
@@ -13854,7 +13887,7 @@
         <p:spPr>
           <a:xfrm>
             <a:off x="7524328" y="1916832"/>
-            <a:ext cx="271228" cy="307777"/>
+            <a:ext cx="266420" cy="307777"/>
           </a:xfrm>
           <a:prstGeom prst="rect">
             <a:avLst/>
@@ -13872,7 +13905,7 @@
                 <a:latin typeface="+mj-lt"/>
                 <a:cs typeface="Calibri Light" pitchFamily="34" charset="0"/>
               </a:rPr>
-              <a:t>a</a:t>
+              <a:t>x</a:t>
             </a:r>
             <a:endParaRPr lang="el-GR" sz="1400" b="1" dirty="0">
               <a:latin typeface="+mj-lt"/>
@@ -13908,7 +13941,7 @@
                 <a:latin typeface="+mj-lt"/>
                 <a:cs typeface="Calibri Light" pitchFamily="34" charset="0"/>
               </a:rPr>
-              <a:t>a</a:t>
+              <a:t>x</a:t>
             </a:r>
             <a:endParaRPr lang="el-GR" sz="1400" b="1" dirty="0">
               <a:latin typeface="+mj-lt"/>
@@ -13944,7 +13977,7 @@
                 <a:latin typeface="+mj-lt"/>
                 <a:cs typeface="Calibri Light" pitchFamily="34" charset="0"/>
               </a:rPr>
-              <a:t>a</a:t>
+              <a:t>x</a:t>
             </a:r>
             <a:endParaRPr lang="el-GR" sz="1400" b="1" dirty="0">
               <a:latin typeface="+mj-lt"/>
@@ -14672,7 +14705,7 @@
         <p:spPr>
           <a:xfrm>
             <a:off x="6102640" y="2564904"/>
-            <a:ext cx="271228" cy="307777"/>
+            <a:ext cx="266420" cy="307777"/>
           </a:xfrm>
           <a:prstGeom prst="rect">
             <a:avLst/>
@@ -14690,7 +14723,7 @@
                 <a:latin typeface="+mj-lt"/>
                 <a:cs typeface="Calibri Light" pitchFamily="34" charset="0"/>
               </a:rPr>
-              <a:t>a</a:t>
+              <a:t>x</a:t>
             </a:r>
             <a:endParaRPr lang="el-GR" sz="1400" b="1" dirty="0">
               <a:latin typeface="+mj-lt"/>
@@ -15174,7 +15207,7 @@
                 <a:latin typeface="+mj-lt"/>
                 <a:cs typeface="Calibri Light" pitchFamily="34" charset="0"/>
               </a:rPr>
-              <a:t>a</a:t>
+              <a:t>x</a:t>
             </a:r>
             <a:endParaRPr lang="el-GR" sz="1400" b="1" dirty="0">
               <a:latin typeface="+mj-lt"/>
@@ -15210,7 +15243,7 @@
                 <a:latin typeface="+mj-lt"/>
                 <a:cs typeface="Calibri Light" pitchFamily="34" charset="0"/>
               </a:rPr>
-              <a:t>a</a:t>
+              <a:t>x</a:t>
             </a:r>
             <a:endParaRPr lang="el-GR" sz="1400" b="1" dirty="0">
               <a:latin typeface="+mj-lt"/>
@@ -15246,7 +15279,7 @@
                 <a:latin typeface="+mj-lt"/>
                 <a:cs typeface="Calibri Light" pitchFamily="34" charset="0"/>
               </a:rPr>
-              <a:t>a</a:t>
+              <a:t>x</a:t>
             </a:r>
             <a:endParaRPr lang="el-GR" sz="1400" b="1" dirty="0">
               <a:latin typeface="+mj-lt"/>
@@ -15966,7 +15999,7 @@
                 <a:latin typeface="+mj-lt"/>
                 <a:cs typeface="Calibri Light" pitchFamily="34" charset="0"/>
               </a:rPr>
-              <a:t>a</a:t>
+              <a:t>x</a:t>
             </a:r>
             <a:endParaRPr lang="el-GR" sz="1400" b="1" dirty="0">
               <a:latin typeface="+mj-lt"/>
@@ -16029,7 +16062,7 @@
                 <a:latin typeface="+mj-lt"/>
                 <a:cs typeface="Calibri Light" pitchFamily="34" charset="0"/>
               </a:rPr>
-              <a:t>&amp;a</a:t>
+              <a:t>&amp;x</a:t>
             </a:r>
             <a:endParaRPr lang="el-GR" sz="1400" b="1" dirty="0">
               <a:latin typeface="+mj-lt"/>
@@ -16749,7 +16782,7 @@
                 <a:latin typeface="+mj-lt"/>
                 <a:cs typeface="Calibri Light" pitchFamily="34" charset="0"/>
               </a:rPr>
-              <a:t>a</a:t>
+              <a:t>x</a:t>
             </a:r>
             <a:endParaRPr lang="el-GR" sz="1400" b="1" dirty="0">
               <a:latin typeface="+mj-lt"/>
@@ -16841,7 +16874,7 @@
                 <a:latin typeface="+mj-lt"/>
                 <a:cs typeface="Calibri Light" pitchFamily="34" charset="0"/>
               </a:rPr>
-              <a:t>&amp;a</a:t>
+              <a:t>&amp;x</a:t>
             </a:r>
             <a:endParaRPr lang="el-GR" sz="1400" b="1" dirty="0">
               <a:latin typeface="+mj-lt"/>
@@ -17561,7 +17594,7 @@
                 <a:latin typeface="+mj-lt"/>
                 <a:cs typeface="Calibri Light" pitchFamily="34" charset="0"/>
               </a:rPr>
-              <a:t>&amp;a</a:t>
+              <a:t>&amp;x</a:t>
             </a:r>
             <a:endParaRPr lang="el-GR" sz="1400" b="1" dirty="0">
               <a:latin typeface="+mj-lt"/>
@@ -17624,7 +17657,7 @@
                 <a:latin typeface="+mj-lt"/>
                 <a:cs typeface="Calibri Light" pitchFamily="34" charset="0"/>
               </a:rPr>
-              <a:t>&amp;a</a:t>
+              <a:t>&amp;x</a:t>
             </a:r>
             <a:endParaRPr lang="el-GR" sz="1400" b="1" dirty="0">
               <a:latin typeface="+mj-lt"/>
@@ -18344,7 +18377,7 @@
                 <a:latin typeface="+mj-lt"/>
                 <a:cs typeface="Calibri Light" pitchFamily="34" charset="0"/>
               </a:rPr>
-              <a:t>&amp;a</a:t>
+              <a:t>&amp;x</a:t>
             </a:r>
             <a:endParaRPr lang="el-GR" sz="1400" b="1" dirty="0">
               <a:latin typeface="+mj-lt"/>
@@ -18421,7 +18454,7 @@
         <p:spPr>
           <a:xfrm>
             <a:off x="6067576" y="4221088"/>
-            <a:ext cx="399468" cy="307777"/>
+            <a:ext cx="393056" cy="307777"/>
           </a:xfrm>
           <a:prstGeom prst="rect">
             <a:avLst/>
@@ -18439,7 +18472,14 @@
                 <a:latin typeface="+mj-lt"/>
                 <a:cs typeface="Calibri Light" pitchFamily="34" charset="0"/>
               </a:rPr>
-              <a:t>&amp;a</a:t>
+              <a:t>&amp;</a:t>
+            </a:r>
+            <a:r>
+              <a:rPr lang="en-US" sz="1400" b="1" dirty="0" smtClean="0">
+                <a:latin typeface="+mj-lt"/>
+                <a:cs typeface="Calibri Light" pitchFamily="34" charset="0"/>
+              </a:rPr>
+              <a:t>x</a:t>
             </a:r>
             <a:endParaRPr lang="el-GR" sz="1400" b="1" dirty="0">
               <a:latin typeface="+mj-lt"/>
@@ -19312,7 +19352,7 @@
                 <a:latin typeface="+mj-lt"/>
                 <a:cs typeface="Calibri Light" pitchFamily="34" charset="0"/>
               </a:rPr>
-              <a:t>a</a:t>
+              <a:t>x</a:t>
             </a:r>
             <a:endParaRPr lang="el-GR" sz="1400" b="1" dirty="0">
               <a:latin typeface="+mj-lt"/>
@@ -19402,7 +19442,7 @@
                 <a:latin typeface="+mj-lt"/>
                 <a:cs typeface="Calibri Light" pitchFamily="34" charset="0"/>
               </a:rPr>
-              <a:t>&amp;a</a:t>
+              <a:t>&amp;x</a:t>
             </a:r>
             <a:endParaRPr lang="el-GR" sz="1400" b="1" dirty="0">
               <a:latin typeface="+mj-lt"/>
@@ -20391,7 +20431,7 @@
                 <a:latin typeface="+mj-lt"/>
                 <a:cs typeface="Calibri Light" pitchFamily="34" charset="0"/>
               </a:rPr>
-              <a:t>a</a:t>
+              <a:t>x</a:t>
             </a:r>
             <a:endParaRPr lang="el-GR" sz="1400" b="1" dirty="0">
               <a:latin typeface="+mj-lt"/>
@@ -20481,7 +20521,7 @@
                 <a:latin typeface="+mj-lt"/>
                 <a:cs typeface="Calibri Light" pitchFamily="34" charset="0"/>
               </a:rPr>
-              <a:t>&amp;a</a:t>
+              <a:t>&amp;x</a:t>
             </a:r>
             <a:endParaRPr lang="el-GR" sz="1400" b="1" dirty="0">
               <a:latin typeface="+mj-lt"/>
@@ -21444,7 +21484,7 @@
                 <a:latin typeface="+mj-lt"/>
                 <a:cs typeface="Calibri Light" pitchFamily="34" charset="0"/>
               </a:rPr>
-              <a:t>&amp;a</a:t>
+              <a:t>&amp;x</a:t>
             </a:r>
             <a:endParaRPr lang="el-GR" sz="1400" b="1" dirty="0">
               <a:latin typeface="+mj-lt"/>
@@ -21516,7 +21556,7 @@
         <p:spPr>
           <a:xfrm>
             <a:off x="6476788" y="5742492"/>
-            <a:ext cx="399468" cy="307777"/>
+            <a:ext cx="393056" cy="307777"/>
           </a:xfrm>
           <a:prstGeom prst="rect">
             <a:avLst/>
@@ -21534,7 +21574,7 @@
                 <a:latin typeface="+mj-lt"/>
                 <a:cs typeface="Calibri Light" pitchFamily="34" charset="0"/>
               </a:rPr>
-              <a:t>&amp;a</a:t>
+              <a:t>&amp;x</a:t>
             </a:r>
             <a:endParaRPr lang="el-GR" sz="1400" b="1" dirty="0">
               <a:latin typeface="+mj-lt"/>
@@ -22607,8 +22647,8 @@
         </p:nvCxnSpPr>
         <p:spPr bwMode="auto">
           <a:xfrm rot="16200000" flipV="1">
-            <a:off x="6966564" y="2739922"/>
-            <a:ext cx="500535" cy="458278"/>
+            <a:off x="6963359" y="2736714"/>
+            <a:ext cx="500536" cy="464693"/>
           </a:xfrm>
           <a:prstGeom prst="curvedConnector2">
             <a:avLst/>
@@ -22689,7 +22729,7 @@
         <p:spPr>
           <a:xfrm>
             <a:off x="6588224" y="2564904"/>
-            <a:ext cx="399468" cy="307777"/>
+            <a:ext cx="393056" cy="307777"/>
           </a:xfrm>
           <a:prstGeom prst="rect">
             <a:avLst/>
@@ -22707,7 +22747,7 @@
                 <a:latin typeface="+mj-lt"/>
                 <a:cs typeface="Calibri Light" pitchFamily="34" charset="0"/>
               </a:rPr>
-              <a:t>&amp;a</a:t>
+              <a:t>&amp;x</a:t>
             </a:r>
             <a:endParaRPr lang="el-GR" sz="1400" b="1" dirty="0">
               <a:latin typeface="+mj-lt"/>
@@ -22779,7 +22819,7 @@
         <p:spPr>
           <a:xfrm>
             <a:off x="6476788" y="5742492"/>
-            <a:ext cx="399468" cy="307777"/>
+            <a:ext cx="393056" cy="307777"/>
           </a:xfrm>
           <a:prstGeom prst="rect">
             <a:avLst/>
@@ -22797,7 +22837,7 @@
                 <a:latin typeface="+mj-lt"/>
                 <a:cs typeface="Calibri Light" pitchFamily="34" charset="0"/>
               </a:rPr>
-              <a:t>&amp;a</a:t>
+              <a:t>&amp;x</a:t>
             </a:r>
             <a:endParaRPr lang="el-GR" sz="1400" b="1" dirty="0">
               <a:latin typeface="+mj-lt"/>
@@ -22976,8 +23016,8 @@
         </p:nvCxnSpPr>
         <p:spPr bwMode="auto">
           <a:xfrm rot="10800000" flipV="1">
-            <a:off x="6372202" y="2718792"/>
-            <a:ext cx="216023" cy="3158477"/>
+            <a:off x="6372206" y="2718793"/>
+            <a:ext cx="216019" cy="3158476"/>
           </a:xfrm>
           <a:prstGeom prst="curvedConnector2">
             <a:avLst/>
@@ -31071,13 +31111,13 @@
 </file>
 
 <file path=customXml/itemProps1.xml><?xml version="1.0" encoding="utf-8"?>
-<ds:datastoreItem xmlns:ds="http://schemas.openxmlformats.org/officeDocument/2006/customXml" ds:itemID="{34AEB158-81D0-4E51-AC34-BE0CE608F59D}"/>
+<ds:datastoreItem xmlns:ds="http://schemas.openxmlformats.org/officeDocument/2006/customXml" ds:itemID="{FC04AFFA-4935-4CA2-A906-F0DBE72C0753}"/>
 </file>
 
 <file path=customXml/itemProps2.xml><?xml version="1.0" encoding="utf-8"?>
-<ds:datastoreItem xmlns:ds="http://schemas.openxmlformats.org/officeDocument/2006/customXml" ds:itemID="{E10C1DD0-A273-4F33-82C3-715F8F8EC298}"/>
+<ds:datastoreItem xmlns:ds="http://schemas.openxmlformats.org/officeDocument/2006/customXml" ds:itemID="{50EBA474-FF30-4BD9-98D0-7FDA2C56C9CE}"/>
 </file>
 
 <file path=customXml/itemProps3.xml><?xml version="1.0" encoding="utf-8"?>
-<ds:datastoreItem xmlns:ds="http://schemas.openxmlformats.org/officeDocument/2006/customXml" ds:itemID="{D384DE06-CEEA-40DD-9010-199A425B51A1}"/>
+<ds:datastoreItem xmlns:ds="http://schemas.openxmlformats.org/officeDocument/2006/customXml" ds:itemID="{44BE0081-CD9C-4ED3-88DB-57AC4EAABEDE}"/>
 </file>